--- a/media/ga2021kr-media.pptx
+++ b/media/ga2021kr-media.pptx
@@ -6,9 +6,13 @@
   </p:sldMasterIdLst>
   <p:sldIdLst>
     <p:sldId id="256" r:id="rId2"/>
-    <p:sldId id="257" r:id="rId3"/>
-    <p:sldId id="258" r:id="rId4"/>
-    <p:sldId id="259" r:id="rId5"/>
+    <p:sldId id="260" r:id="rId3"/>
+    <p:sldId id="261" r:id="rId4"/>
+    <p:sldId id="262" r:id="rId5"/>
+    <p:sldId id="263" r:id="rId6"/>
+    <p:sldId id="257" r:id="rId7"/>
+    <p:sldId id="258" r:id="rId8"/>
+    <p:sldId id="259" r:id="rId9"/>
   </p:sldIdLst>
   <p:sldSz cx="12192000" cy="6858000"/>
   <p:notesSz cx="6858000" cy="9144000"/>
@@ -107,6 +111,11 @@
       </a:defRPr>
     </a:lvl9pPr>
   </p:defaultTextStyle>
+  <p:extLst>
+    <p:ext uri="{EFAFB233-063F-42B5-8137-9DF3F51BA10A}">
+      <p15:sldGuideLst xmlns:p15="http://schemas.microsoft.com/office/powerpoint/2012/main"/>
+    </p:ext>
+  </p:extLst>
 </p:presentation>
 </file>
 
@@ -259,7 +268,7 @@
           <a:p>
             <a:fld id="{E58A3CF5-88B9-A74C-8645-247371709F4E}" type="datetimeFigureOut">
               <a:rPr lang="en-AU" smtClean="0"/>
-              <a:t>10/4/21</a:t>
+              <a:t>11/4/21</a:t>
             </a:fld>
             <a:endParaRPr lang="en-AU"/>
           </a:p>
@@ -459,7 +468,7 @@
           <a:p>
             <a:fld id="{E58A3CF5-88B9-A74C-8645-247371709F4E}" type="datetimeFigureOut">
               <a:rPr lang="en-AU" smtClean="0"/>
-              <a:t>10/4/21</a:t>
+              <a:t>11/4/21</a:t>
             </a:fld>
             <a:endParaRPr lang="en-AU"/>
           </a:p>
@@ -669,7 +678,7 @@
           <a:p>
             <a:fld id="{E58A3CF5-88B9-A74C-8645-247371709F4E}" type="datetimeFigureOut">
               <a:rPr lang="en-AU" smtClean="0"/>
-              <a:t>10/4/21</a:t>
+              <a:t>11/4/21</a:t>
             </a:fld>
             <a:endParaRPr lang="en-AU"/>
           </a:p>
@@ -869,7 +878,7 @@
           <a:p>
             <a:fld id="{E58A3CF5-88B9-A74C-8645-247371709F4E}" type="datetimeFigureOut">
               <a:rPr lang="en-AU" smtClean="0"/>
-              <a:t>10/4/21</a:t>
+              <a:t>11/4/21</a:t>
             </a:fld>
             <a:endParaRPr lang="en-AU"/>
           </a:p>
@@ -1145,7 +1154,7 @@
           <a:p>
             <a:fld id="{E58A3CF5-88B9-A74C-8645-247371709F4E}" type="datetimeFigureOut">
               <a:rPr lang="en-AU" smtClean="0"/>
-              <a:t>10/4/21</a:t>
+              <a:t>11/4/21</a:t>
             </a:fld>
             <a:endParaRPr lang="en-AU"/>
           </a:p>
@@ -1413,7 +1422,7 @@
           <a:p>
             <a:fld id="{E58A3CF5-88B9-A74C-8645-247371709F4E}" type="datetimeFigureOut">
               <a:rPr lang="en-AU" smtClean="0"/>
-              <a:t>10/4/21</a:t>
+              <a:t>11/4/21</a:t>
             </a:fld>
             <a:endParaRPr lang="en-AU"/>
           </a:p>
@@ -1828,7 +1837,7 @@
           <a:p>
             <a:fld id="{E58A3CF5-88B9-A74C-8645-247371709F4E}" type="datetimeFigureOut">
               <a:rPr lang="en-AU" smtClean="0"/>
-              <a:t>10/4/21</a:t>
+              <a:t>11/4/21</a:t>
             </a:fld>
             <a:endParaRPr lang="en-AU"/>
           </a:p>
@@ -1970,7 +1979,7 @@
           <a:p>
             <a:fld id="{E58A3CF5-88B9-A74C-8645-247371709F4E}" type="datetimeFigureOut">
               <a:rPr lang="en-AU" smtClean="0"/>
-              <a:t>10/4/21</a:t>
+              <a:t>11/4/21</a:t>
             </a:fld>
             <a:endParaRPr lang="en-AU"/>
           </a:p>
@@ -2083,7 +2092,7 @@
           <a:p>
             <a:fld id="{E58A3CF5-88B9-A74C-8645-247371709F4E}" type="datetimeFigureOut">
               <a:rPr lang="en-AU" smtClean="0"/>
-              <a:t>10/4/21</a:t>
+              <a:t>11/4/21</a:t>
             </a:fld>
             <a:endParaRPr lang="en-AU"/>
           </a:p>
@@ -2396,7 +2405,7 @@
           <a:p>
             <a:fld id="{E58A3CF5-88B9-A74C-8645-247371709F4E}" type="datetimeFigureOut">
               <a:rPr lang="en-AU" smtClean="0"/>
-              <a:t>10/4/21</a:t>
+              <a:t>11/4/21</a:t>
             </a:fld>
             <a:endParaRPr lang="en-AU"/>
           </a:p>
@@ -2685,7 +2694,7 @@
           <a:p>
             <a:fld id="{E58A3CF5-88B9-A74C-8645-247371709F4E}" type="datetimeFigureOut">
               <a:rPr lang="en-AU" smtClean="0"/>
-              <a:t>10/4/21</a:t>
+              <a:t>11/4/21</a:t>
             </a:fld>
             <a:endParaRPr lang="en-AU"/>
           </a:p>
@@ -2928,7 +2937,7 @@
           <a:p>
             <a:fld id="{E58A3CF5-88B9-A74C-8645-247371709F4E}" type="datetimeFigureOut">
               <a:rPr lang="en-AU" smtClean="0"/>
-              <a:t>10/4/21</a:t>
+              <a:t>11/4/21</a:t>
             </a:fld>
             <a:endParaRPr lang="en-AU"/>
           </a:p>
@@ -3437,6 +3446,538 @@
       </p:grpSpPr>
       <p:pic>
         <p:nvPicPr>
+          <p:cNvPr id="5" name="Picture 4" descr="Logo&#10;&#10;Description automatically generated">
+            <a:extLst>
+              <a:ext uri="{FF2B5EF4-FFF2-40B4-BE49-F238E27FC236}">
+                <a16:creationId xmlns:a16="http://schemas.microsoft.com/office/drawing/2014/main" id="{402988C8-CAC5-7845-8E3B-F5020877B4B7}"/>
+              </a:ext>
+            </a:extLst>
+          </p:cNvPr>
+          <p:cNvPicPr>
+            <a:picLocks noChangeAspect="1"/>
+          </p:cNvPicPr>
+          <p:nvPr/>
+        </p:nvPicPr>
+        <p:blipFill>
+          <a:blip r:embed="rId2"/>
+          <a:stretch>
+            <a:fillRect/>
+          </a:stretch>
+        </p:blipFill>
+        <p:spPr>
+          <a:xfrm>
+            <a:off x="5662102" y="659514"/>
+            <a:ext cx="5605200" cy="4320080"/>
+          </a:xfrm>
+          <a:prstGeom prst="rect">
+            <a:avLst/>
+          </a:prstGeom>
+        </p:spPr>
+      </p:pic>
+      <p:pic>
+        <p:nvPicPr>
+          <p:cNvPr id="7" name="Picture 6" descr="Icon&#10;&#10;Description automatically generated">
+            <a:extLst>
+              <a:ext uri="{FF2B5EF4-FFF2-40B4-BE49-F238E27FC236}">
+                <a16:creationId xmlns:a16="http://schemas.microsoft.com/office/drawing/2014/main" id="{1F676E60-12A4-7A41-896E-972B71130F2C}"/>
+              </a:ext>
+            </a:extLst>
+          </p:cNvPr>
+          <p:cNvPicPr>
+            <a:picLocks noChangeAspect="1"/>
+          </p:cNvPicPr>
+          <p:nvPr/>
+        </p:nvPicPr>
+        <p:blipFill>
+          <a:blip r:embed="rId3"/>
+          <a:stretch>
+            <a:fillRect/>
+          </a:stretch>
+        </p:blipFill>
+        <p:spPr>
+          <a:xfrm>
+            <a:off x="924698" y="659594"/>
+            <a:ext cx="4320000" cy="4320000"/>
+          </a:xfrm>
+          <a:prstGeom prst="rect">
+            <a:avLst/>
+          </a:prstGeom>
+        </p:spPr>
+      </p:pic>
+      <p:sp>
+        <p:nvSpPr>
+          <p:cNvPr id="2" name="TextBox 1">
+            <a:extLst>
+              <a:ext uri="{FF2B5EF4-FFF2-40B4-BE49-F238E27FC236}">
+                <a16:creationId xmlns:a16="http://schemas.microsoft.com/office/drawing/2014/main" id="{B3B4FB0C-F33D-5D4C-A960-B8DE6A9A7009}"/>
+              </a:ext>
+            </a:extLst>
+          </p:cNvPr>
+          <p:cNvSpPr txBox="1"/>
+          <p:nvPr/>
+        </p:nvSpPr>
+        <p:spPr>
+          <a:xfrm>
+            <a:off x="2038709" y="5429045"/>
+            <a:ext cx="8114582" cy="769441"/>
+          </a:xfrm>
+          <a:prstGeom prst="rect">
+            <a:avLst/>
+          </a:prstGeom>
+          <a:noFill/>
+        </p:spPr>
+        <p:txBody>
+          <a:bodyPr wrap="square" rtlCol="0">
+            <a:spAutoFit/>
+          </a:bodyPr>
+          <a:lstStyle/>
+          <a:p>
+            <a:pPr algn="ctr"/>
+            <a:r>
+              <a:rPr lang="en-US" sz="4400" b="1" dirty="0">
+                <a:latin typeface="NanumGothic" panose="020D0604000000000000" pitchFamily="34" charset="-127"/>
+                <a:ea typeface="NanumGothic" panose="020D0604000000000000" pitchFamily="34" charset="-127"/>
+              </a:rPr>
+              <a:t>Track A: Azure for AI &amp; Data</a:t>
+            </a:r>
+            <a:endParaRPr lang="en-AU" sz="4400" b="1" dirty="0">
+              <a:latin typeface="NanumGothic" panose="020D0604000000000000" pitchFamily="34" charset="-127"/>
+              <a:ea typeface="NanumGothic" panose="020D0604000000000000" pitchFamily="34" charset="-127"/>
+            </a:endParaRPr>
+          </a:p>
+        </p:txBody>
+      </p:sp>
+    </p:spTree>
+    <p:extLst>
+      <p:ext uri="{BB962C8B-B14F-4D97-AF65-F5344CB8AC3E}">
+        <p14:creationId xmlns:p14="http://schemas.microsoft.com/office/powerpoint/2010/main" val="286055595"/>
+      </p:ext>
+    </p:extLst>
+  </p:cSld>
+  <p:clrMapOvr>
+    <a:masterClrMapping/>
+  </p:clrMapOvr>
+</p:sld>
+</file>
+
+<file path=ppt/slides/slide3.xml><?xml version="1.0" encoding="utf-8"?>
+<p:sld xmlns:a="http://schemas.openxmlformats.org/drawingml/2006/main" xmlns:r="http://schemas.openxmlformats.org/officeDocument/2006/relationships" xmlns:p="http://schemas.openxmlformats.org/presentationml/2006/main">
+  <p:cSld>
+    <p:spTree>
+      <p:nvGrpSpPr>
+        <p:cNvPr id="1" name=""/>
+        <p:cNvGrpSpPr/>
+        <p:nvPr/>
+      </p:nvGrpSpPr>
+      <p:grpSpPr>
+        <a:xfrm>
+          <a:off x="0" y="0"/>
+          <a:ext cx="0" cy="0"/>
+          <a:chOff x="0" y="0"/>
+          <a:chExt cx="0" cy="0"/>
+        </a:xfrm>
+      </p:grpSpPr>
+      <p:pic>
+        <p:nvPicPr>
+          <p:cNvPr id="5" name="Picture 4" descr="Logo&#10;&#10;Description automatically generated">
+            <a:extLst>
+              <a:ext uri="{FF2B5EF4-FFF2-40B4-BE49-F238E27FC236}">
+                <a16:creationId xmlns:a16="http://schemas.microsoft.com/office/drawing/2014/main" id="{402988C8-CAC5-7845-8E3B-F5020877B4B7}"/>
+              </a:ext>
+            </a:extLst>
+          </p:cNvPr>
+          <p:cNvPicPr>
+            <a:picLocks noChangeAspect="1"/>
+          </p:cNvPicPr>
+          <p:nvPr/>
+        </p:nvPicPr>
+        <p:blipFill>
+          <a:blip r:embed="rId2"/>
+          <a:stretch>
+            <a:fillRect/>
+          </a:stretch>
+        </p:blipFill>
+        <p:spPr>
+          <a:xfrm>
+            <a:off x="5662102" y="659514"/>
+            <a:ext cx="5605200" cy="4320080"/>
+          </a:xfrm>
+          <a:prstGeom prst="rect">
+            <a:avLst/>
+          </a:prstGeom>
+        </p:spPr>
+      </p:pic>
+      <p:pic>
+        <p:nvPicPr>
+          <p:cNvPr id="7" name="Picture 6" descr="Icon&#10;&#10;Description automatically generated">
+            <a:extLst>
+              <a:ext uri="{FF2B5EF4-FFF2-40B4-BE49-F238E27FC236}">
+                <a16:creationId xmlns:a16="http://schemas.microsoft.com/office/drawing/2014/main" id="{1F676E60-12A4-7A41-896E-972B71130F2C}"/>
+              </a:ext>
+            </a:extLst>
+          </p:cNvPr>
+          <p:cNvPicPr>
+            <a:picLocks noChangeAspect="1"/>
+          </p:cNvPicPr>
+          <p:nvPr/>
+        </p:nvPicPr>
+        <p:blipFill>
+          <a:blip r:embed="rId3"/>
+          <a:stretch>
+            <a:fillRect/>
+          </a:stretch>
+        </p:blipFill>
+        <p:spPr>
+          <a:xfrm>
+            <a:off x="924698" y="659594"/>
+            <a:ext cx="4320000" cy="4320000"/>
+          </a:xfrm>
+          <a:prstGeom prst="rect">
+            <a:avLst/>
+          </a:prstGeom>
+        </p:spPr>
+      </p:pic>
+      <p:sp>
+        <p:nvSpPr>
+          <p:cNvPr id="2" name="TextBox 1">
+            <a:extLst>
+              <a:ext uri="{FF2B5EF4-FFF2-40B4-BE49-F238E27FC236}">
+                <a16:creationId xmlns:a16="http://schemas.microsoft.com/office/drawing/2014/main" id="{B3B4FB0C-F33D-5D4C-A960-B8DE6A9A7009}"/>
+              </a:ext>
+            </a:extLst>
+          </p:cNvPr>
+          <p:cNvSpPr txBox="1"/>
+          <p:nvPr/>
+        </p:nvSpPr>
+        <p:spPr>
+          <a:xfrm>
+            <a:off x="2038709" y="5429045"/>
+            <a:ext cx="8114582" cy="769441"/>
+          </a:xfrm>
+          <a:prstGeom prst="rect">
+            <a:avLst/>
+          </a:prstGeom>
+          <a:noFill/>
+        </p:spPr>
+        <p:txBody>
+          <a:bodyPr wrap="square" rtlCol="0">
+            <a:spAutoFit/>
+          </a:bodyPr>
+          <a:lstStyle/>
+          <a:p>
+            <a:pPr algn="ctr"/>
+            <a:r>
+              <a:rPr lang="en-US" sz="4400" b="1" dirty="0">
+                <a:latin typeface="NanumGothic" panose="020D0604000000000000" pitchFamily="34" charset="-127"/>
+                <a:ea typeface="NanumGothic" panose="020D0604000000000000" pitchFamily="34" charset="-127"/>
+              </a:rPr>
+              <a:t>Track B: Azure for Ops</a:t>
+            </a:r>
+            <a:endParaRPr lang="en-AU" sz="4400" b="1" dirty="0">
+              <a:latin typeface="NanumGothic" panose="020D0604000000000000" pitchFamily="34" charset="-127"/>
+              <a:ea typeface="NanumGothic" panose="020D0604000000000000" pitchFamily="34" charset="-127"/>
+            </a:endParaRPr>
+          </a:p>
+        </p:txBody>
+      </p:sp>
+    </p:spTree>
+    <p:extLst>
+      <p:ext uri="{BB962C8B-B14F-4D97-AF65-F5344CB8AC3E}">
+        <p14:creationId xmlns:p14="http://schemas.microsoft.com/office/powerpoint/2010/main" val="1029776737"/>
+      </p:ext>
+    </p:extLst>
+  </p:cSld>
+  <p:clrMapOvr>
+    <a:masterClrMapping/>
+  </p:clrMapOvr>
+</p:sld>
+</file>
+
+<file path=ppt/slides/slide4.xml><?xml version="1.0" encoding="utf-8"?>
+<p:sld xmlns:a="http://schemas.openxmlformats.org/drawingml/2006/main" xmlns:r="http://schemas.openxmlformats.org/officeDocument/2006/relationships" xmlns:p="http://schemas.openxmlformats.org/presentationml/2006/main">
+  <p:cSld>
+    <p:spTree>
+      <p:nvGrpSpPr>
+        <p:cNvPr id="1" name=""/>
+        <p:cNvGrpSpPr/>
+        <p:nvPr/>
+      </p:nvGrpSpPr>
+      <p:grpSpPr>
+        <a:xfrm>
+          <a:off x="0" y="0"/>
+          <a:ext cx="0" cy="0"/>
+          <a:chOff x="0" y="0"/>
+          <a:chExt cx="0" cy="0"/>
+        </a:xfrm>
+      </p:grpSpPr>
+      <p:pic>
+        <p:nvPicPr>
+          <p:cNvPr id="5" name="Picture 4" descr="Logo&#10;&#10;Description automatically generated">
+            <a:extLst>
+              <a:ext uri="{FF2B5EF4-FFF2-40B4-BE49-F238E27FC236}">
+                <a16:creationId xmlns:a16="http://schemas.microsoft.com/office/drawing/2014/main" id="{402988C8-CAC5-7845-8E3B-F5020877B4B7}"/>
+              </a:ext>
+            </a:extLst>
+          </p:cNvPr>
+          <p:cNvPicPr>
+            <a:picLocks noChangeAspect="1"/>
+          </p:cNvPicPr>
+          <p:nvPr/>
+        </p:nvPicPr>
+        <p:blipFill>
+          <a:blip r:embed="rId2"/>
+          <a:stretch>
+            <a:fillRect/>
+          </a:stretch>
+        </p:blipFill>
+        <p:spPr>
+          <a:xfrm>
+            <a:off x="5662102" y="659514"/>
+            <a:ext cx="5605200" cy="4320080"/>
+          </a:xfrm>
+          <a:prstGeom prst="rect">
+            <a:avLst/>
+          </a:prstGeom>
+        </p:spPr>
+      </p:pic>
+      <p:pic>
+        <p:nvPicPr>
+          <p:cNvPr id="7" name="Picture 6" descr="Icon&#10;&#10;Description automatically generated">
+            <a:extLst>
+              <a:ext uri="{FF2B5EF4-FFF2-40B4-BE49-F238E27FC236}">
+                <a16:creationId xmlns:a16="http://schemas.microsoft.com/office/drawing/2014/main" id="{1F676E60-12A4-7A41-896E-972B71130F2C}"/>
+              </a:ext>
+            </a:extLst>
+          </p:cNvPr>
+          <p:cNvPicPr>
+            <a:picLocks noChangeAspect="1"/>
+          </p:cNvPicPr>
+          <p:nvPr/>
+        </p:nvPicPr>
+        <p:blipFill>
+          <a:blip r:embed="rId3"/>
+          <a:stretch>
+            <a:fillRect/>
+          </a:stretch>
+        </p:blipFill>
+        <p:spPr>
+          <a:xfrm>
+            <a:off x="924698" y="659594"/>
+            <a:ext cx="4320000" cy="4320000"/>
+          </a:xfrm>
+          <a:prstGeom prst="rect">
+            <a:avLst/>
+          </a:prstGeom>
+        </p:spPr>
+      </p:pic>
+      <p:sp>
+        <p:nvSpPr>
+          <p:cNvPr id="2" name="TextBox 1">
+            <a:extLst>
+              <a:ext uri="{FF2B5EF4-FFF2-40B4-BE49-F238E27FC236}">
+                <a16:creationId xmlns:a16="http://schemas.microsoft.com/office/drawing/2014/main" id="{B3B4FB0C-F33D-5D4C-A960-B8DE6A9A7009}"/>
+              </a:ext>
+            </a:extLst>
+          </p:cNvPr>
+          <p:cNvSpPr txBox="1"/>
+          <p:nvPr/>
+        </p:nvSpPr>
+        <p:spPr>
+          <a:xfrm>
+            <a:off x="2038709" y="5429045"/>
+            <a:ext cx="8114582" cy="769441"/>
+          </a:xfrm>
+          <a:prstGeom prst="rect">
+            <a:avLst/>
+          </a:prstGeom>
+          <a:noFill/>
+        </p:spPr>
+        <p:txBody>
+          <a:bodyPr wrap="square" rtlCol="0">
+            <a:spAutoFit/>
+          </a:bodyPr>
+          <a:lstStyle/>
+          <a:p>
+            <a:pPr algn="ctr"/>
+            <a:r>
+              <a:rPr lang="en-US" sz="4400" b="1" dirty="0">
+                <a:latin typeface="NanumGothic" panose="020D0604000000000000" pitchFamily="34" charset="-127"/>
+                <a:ea typeface="NanumGothic" panose="020D0604000000000000" pitchFamily="34" charset="-127"/>
+              </a:rPr>
+              <a:t>Track C: Azure for Devs</a:t>
+            </a:r>
+            <a:endParaRPr lang="en-AU" sz="4400" b="1" dirty="0">
+              <a:latin typeface="NanumGothic" panose="020D0604000000000000" pitchFamily="34" charset="-127"/>
+              <a:ea typeface="NanumGothic" panose="020D0604000000000000" pitchFamily="34" charset="-127"/>
+            </a:endParaRPr>
+          </a:p>
+        </p:txBody>
+      </p:sp>
+    </p:spTree>
+    <p:extLst>
+      <p:ext uri="{BB962C8B-B14F-4D97-AF65-F5344CB8AC3E}">
+        <p14:creationId xmlns:p14="http://schemas.microsoft.com/office/powerpoint/2010/main" val="4242610565"/>
+      </p:ext>
+    </p:extLst>
+  </p:cSld>
+  <p:clrMapOvr>
+    <a:masterClrMapping/>
+  </p:clrMapOvr>
+</p:sld>
+</file>
+
+<file path=ppt/slides/slide5.xml><?xml version="1.0" encoding="utf-8"?>
+<p:sld xmlns:a="http://schemas.openxmlformats.org/drawingml/2006/main" xmlns:r="http://schemas.openxmlformats.org/officeDocument/2006/relationships" xmlns:p="http://schemas.openxmlformats.org/presentationml/2006/main">
+  <p:cSld>
+    <p:spTree>
+      <p:nvGrpSpPr>
+        <p:cNvPr id="1" name=""/>
+        <p:cNvGrpSpPr/>
+        <p:nvPr/>
+      </p:nvGrpSpPr>
+      <p:grpSpPr>
+        <a:xfrm>
+          <a:off x="0" y="0"/>
+          <a:ext cx="0" cy="0"/>
+          <a:chOff x="0" y="0"/>
+          <a:chExt cx="0" cy="0"/>
+        </a:xfrm>
+      </p:grpSpPr>
+      <p:pic>
+        <p:nvPicPr>
+          <p:cNvPr id="5" name="Picture 4" descr="Logo&#10;&#10;Description automatically generated">
+            <a:extLst>
+              <a:ext uri="{FF2B5EF4-FFF2-40B4-BE49-F238E27FC236}">
+                <a16:creationId xmlns:a16="http://schemas.microsoft.com/office/drawing/2014/main" id="{402988C8-CAC5-7845-8E3B-F5020877B4B7}"/>
+              </a:ext>
+            </a:extLst>
+          </p:cNvPr>
+          <p:cNvPicPr>
+            <a:picLocks noChangeAspect="1"/>
+          </p:cNvPicPr>
+          <p:nvPr/>
+        </p:nvPicPr>
+        <p:blipFill>
+          <a:blip r:embed="rId2"/>
+          <a:stretch>
+            <a:fillRect/>
+          </a:stretch>
+        </p:blipFill>
+        <p:spPr>
+          <a:xfrm>
+            <a:off x="5662102" y="659514"/>
+            <a:ext cx="5605200" cy="4320080"/>
+          </a:xfrm>
+          <a:prstGeom prst="rect">
+            <a:avLst/>
+          </a:prstGeom>
+        </p:spPr>
+      </p:pic>
+      <p:pic>
+        <p:nvPicPr>
+          <p:cNvPr id="7" name="Picture 6" descr="Icon&#10;&#10;Description automatically generated">
+            <a:extLst>
+              <a:ext uri="{FF2B5EF4-FFF2-40B4-BE49-F238E27FC236}">
+                <a16:creationId xmlns:a16="http://schemas.microsoft.com/office/drawing/2014/main" id="{1F676E60-12A4-7A41-896E-972B71130F2C}"/>
+              </a:ext>
+            </a:extLst>
+          </p:cNvPr>
+          <p:cNvPicPr>
+            <a:picLocks noChangeAspect="1"/>
+          </p:cNvPicPr>
+          <p:nvPr/>
+        </p:nvPicPr>
+        <p:blipFill>
+          <a:blip r:embed="rId3"/>
+          <a:stretch>
+            <a:fillRect/>
+          </a:stretch>
+        </p:blipFill>
+        <p:spPr>
+          <a:xfrm>
+            <a:off x="924698" y="659594"/>
+            <a:ext cx="4320000" cy="4320000"/>
+          </a:xfrm>
+          <a:prstGeom prst="rect">
+            <a:avLst/>
+          </a:prstGeom>
+        </p:spPr>
+      </p:pic>
+      <p:sp>
+        <p:nvSpPr>
+          <p:cNvPr id="2" name="TextBox 1">
+            <a:extLst>
+              <a:ext uri="{FF2B5EF4-FFF2-40B4-BE49-F238E27FC236}">
+                <a16:creationId xmlns:a16="http://schemas.microsoft.com/office/drawing/2014/main" id="{B3B4FB0C-F33D-5D4C-A960-B8DE6A9A7009}"/>
+              </a:ext>
+            </a:extLst>
+          </p:cNvPr>
+          <p:cNvSpPr txBox="1"/>
+          <p:nvPr/>
+        </p:nvSpPr>
+        <p:spPr>
+          <a:xfrm>
+            <a:off x="2038709" y="5429045"/>
+            <a:ext cx="8114582" cy="769441"/>
+          </a:xfrm>
+          <a:prstGeom prst="rect">
+            <a:avLst/>
+          </a:prstGeom>
+          <a:noFill/>
+        </p:spPr>
+        <p:txBody>
+          <a:bodyPr wrap="square" rtlCol="0">
+            <a:spAutoFit/>
+          </a:bodyPr>
+          <a:lstStyle/>
+          <a:p>
+            <a:pPr algn="ctr"/>
+            <a:r>
+              <a:rPr lang="en-US" sz="4400" b="1" dirty="0">
+                <a:latin typeface="NanumGothic" panose="020D0604000000000000" pitchFamily="34" charset="-127"/>
+                <a:ea typeface="NanumGothic" panose="020D0604000000000000" pitchFamily="34" charset="-127"/>
+              </a:rPr>
+              <a:t>Track D: Azure for Juniors</a:t>
+            </a:r>
+            <a:endParaRPr lang="en-AU" sz="4400" b="1" dirty="0">
+              <a:latin typeface="NanumGothic" panose="020D0604000000000000" pitchFamily="34" charset="-127"/>
+              <a:ea typeface="NanumGothic" panose="020D0604000000000000" pitchFamily="34" charset="-127"/>
+            </a:endParaRPr>
+          </a:p>
+        </p:txBody>
+      </p:sp>
+    </p:spTree>
+    <p:extLst>
+      <p:ext uri="{BB962C8B-B14F-4D97-AF65-F5344CB8AC3E}">
+        <p14:creationId xmlns:p14="http://schemas.microsoft.com/office/powerpoint/2010/main" val="2677564311"/>
+      </p:ext>
+    </p:extLst>
+  </p:cSld>
+  <p:clrMapOvr>
+    <a:masterClrMapping/>
+  </p:clrMapOvr>
+</p:sld>
+</file>
+
+<file path=ppt/slides/slide6.xml><?xml version="1.0" encoding="utf-8"?>
+<p:sld xmlns:a="http://schemas.openxmlformats.org/drawingml/2006/main" xmlns:r="http://schemas.openxmlformats.org/officeDocument/2006/relationships" xmlns:p="http://schemas.openxmlformats.org/presentationml/2006/main">
+  <p:cSld>
+    <p:spTree>
+      <p:nvGrpSpPr>
+        <p:cNvPr id="1" name=""/>
+        <p:cNvGrpSpPr/>
+        <p:nvPr/>
+      </p:nvGrpSpPr>
+      <p:grpSpPr>
+        <a:xfrm>
+          <a:off x="0" y="0"/>
+          <a:ext cx="0" cy="0"/>
+          <a:chOff x="0" y="0"/>
+          <a:chExt cx="0" cy="0"/>
+        </a:xfrm>
+      </p:grpSpPr>
+      <p:pic>
+        <p:nvPicPr>
           <p:cNvPr id="7" name="Picture 6" descr="Icon&#10;&#10;Description automatically generated">
             <a:extLst>
               <a:ext uri="{FF2B5EF4-FFF2-40B4-BE49-F238E27FC236}">
@@ -3478,7 +4019,7 @@
 </p:sld>
 </file>
 
-<file path=ppt/slides/slide3.xml><?xml version="1.0" encoding="utf-8"?>
+<file path=ppt/slides/slide7.xml><?xml version="1.0" encoding="utf-8"?>
 <p:sld xmlns:a="http://schemas.openxmlformats.org/drawingml/2006/main" xmlns:r="http://schemas.openxmlformats.org/officeDocument/2006/relationships" xmlns:p="http://schemas.openxmlformats.org/presentationml/2006/main">
   <p:cSld>
     <p:spTree>
@@ -3538,7 +4079,7 @@
 </p:sld>
 </file>
 
-<file path=ppt/slides/slide4.xml><?xml version="1.0" encoding="utf-8"?>
+<file path=ppt/slides/slide8.xml><?xml version="1.0" encoding="utf-8"?>
 <p:sld xmlns:a="http://schemas.openxmlformats.org/drawingml/2006/main" xmlns:r="http://schemas.openxmlformats.org/officeDocument/2006/relationships" xmlns:p="http://schemas.openxmlformats.org/presentationml/2006/main">
   <p:cSld>
     <p:bg>
